--- a/biodiversity.pptx
+++ b/biodiversity.pptx
@@ -3176,7 +3176,7 @@
           <a:lstStyle/>
           <a:p>
             <a:r>
-              <a:t>24-02-2025</a:t>
+              <a:t>26-02-2025</a:t>
             </a:r>
           </a:p>
         </p:txBody>
